--- a/Step0_Data_Preprocessing.pptx
+++ b/Step0_Data_Preprocessing.pptx
@@ -5,14 +5,15 @@
     <p:sldMasterId id="2147483648" r:id="rId1"/>
   </p:sldMasterIdLst>
   <p:notesMasterIdLst>
-    <p:notesMasterId r:id="rId7"/>
+    <p:notesMasterId r:id="rId8"/>
   </p:notesMasterIdLst>
   <p:sldIdLst>
     <p:sldId id="256" r:id="rId2"/>
     <p:sldId id="259" r:id="rId3"/>
-    <p:sldId id="258" r:id="rId4"/>
-    <p:sldId id="260" r:id="rId5"/>
-    <p:sldId id="261" r:id="rId6"/>
+    <p:sldId id="262" r:id="rId4"/>
+    <p:sldId id="258" r:id="rId5"/>
+    <p:sldId id="260" r:id="rId6"/>
+    <p:sldId id="261" r:id="rId7"/>
   </p:sldIdLst>
   <p:sldSz cx="12192000" cy="6858000"/>
   <p:notesSz cx="6858000" cy="9144000"/>
@@ -201,7 +202,7 @@
           <a:p>
             <a:fld id="{195BDE07-EFAD-4019-A54A-8B1C5C8F7A4D}" type="datetimeFigureOut">
               <a:rPr lang="en-US" smtClean="0"/>
-              <a:t>7/28/2022</a:t>
+              <a:t>7/29/2022</a:t>
             </a:fld>
             <a:endParaRPr lang="en-US"/>
           </a:p>
@@ -577,7 +578,7 @@
           <a:p>
             <a:fld id="{813646BE-A36F-4266-B27E-C8E5875582E9}" type="slidenum">
               <a:rPr lang="en-US" smtClean="0"/>
-              <a:t>3</a:t>
+              <a:t>4</a:t>
             </a:fld>
             <a:endParaRPr lang="en-US"/>
           </a:p>
@@ -743,7 +744,7 @@
           <a:p>
             <a:fld id="{4924B21A-2457-47CF-9F35-29984DDB0EB1}" type="datetimeFigureOut">
               <a:rPr lang="en-US" smtClean="0"/>
-              <a:t>7/28/2022</a:t>
+              <a:t>7/29/2022</a:t>
             </a:fld>
             <a:endParaRPr lang="en-US"/>
           </a:p>
@@ -941,7 +942,7 @@
           <a:p>
             <a:fld id="{4924B21A-2457-47CF-9F35-29984DDB0EB1}" type="datetimeFigureOut">
               <a:rPr lang="en-US" smtClean="0"/>
-              <a:t>7/28/2022</a:t>
+              <a:t>7/29/2022</a:t>
             </a:fld>
             <a:endParaRPr lang="en-US"/>
           </a:p>
@@ -1149,7 +1150,7 @@
           <a:p>
             <a:fld id="{4924B21A-2457-47CF-9F35-29984DDB0EB1}" type="datetimeFigureOut">
               <a:rPr lang="en-US" smtClean="0"/>
-              <a:t>7/28/2022</a:t>
+              <a:t>7/29/2022</a:t>
             </a:fld>
             <a:endParaRPr lang="en-US"/>
           </a:p>
@@ -1347,7 +1348,7 @@
           <a:p>
             <a:fld id="{4924B21A-2457-47CF-9F35-29984DDB0EB1}" type="datetimeFigureOut">
               <a:rPr lang="en-US" smtClean="0"/>
-              <a:t>7/28/2022</a:t>
+              <a:t>7/29/2022</a:t>
             </a:fld>
             <a:endParaRPr lang="en-US"/>
           </a:p>
@@ -1622,7 +1623,7 @@
           <a:p>
             <a:fld id="{4924B21A-2457-47CF-9F35-29984DDB0EB1}" type="datetimeFigureOut">
               <a:rPr lang="en-US" smtClean="0"/>
-              <a:t>7/28/2022</a:t>
+              <a:t>7/29/2022</a:t>
             </a:fld>
             <a:endParaRPr lang="en-US"/>
           </a:p>
@@ -1887,7 +1888,7 @@
           <a:p>
             <a:fld id="{4924B21A-2457-47CF-9F35-29984DDB0EB1}" type="datetimeFigureOut">
               <a:rPr lang="en-US" smtClean="0"/>
-              <a:t>7/28/2022</a:t>
+              <a:t>7/29/2022</a:t>
             </a:fld>
             <a:endParaRPr lang="en-US"/>
           </a:p>
@@ -2299,7 +2300,7 @@
           <a:p>
             <a:fld id="{4924B21A-2457-47CF-9F35-29984DDB0EB1}" type="datetimeFigureOut">
               <a:rPr lang="en-US" smtClean="0"/>
-              <a:t>7/28/2022</a:t>
+              <a:t>7/29/2022</a:t>
             </a:fld>
             <a:endParaRPr lang="en-US"/>
           </a:p>
@@ -2440,7 +2441,7 @@
           <a:p>
             <a:fld id="{4924B21A-2457-47CF-9F35-29984DDB0EB1}" type="datetimeFigureOut">
               <a:rPr lang="en-US" smtClean="0"/>
-              <a:t>7/28/2022</a:t>
+              <a:t>7/29/2022</a:t>
             </a:fld>
             <a:endParaRPr lang="en-US"/>
           </a:p>
@@ -2553,7 +2554,7 @@
           <a:p>
             <a:fld id="{4924B21A-2457-47CF-9F35-29984DDB0EB1}" type="datetimeFigureOut">
               <a:rPr lang="en-US" smtClean="0"/>
-              <a:t>7/28/2022</a:t>
+              <a:t>7/29/2022</a:t>
             </a:fld>
             <a:endParaRPr lang="en-US"/>
           </a:p>
@@ -2864,7 +2865,7 @@
           <a:p>
             <a:fld id="{4924B21A-2457-47CF-9F35-29984DDB0EB1}" type="datetimeFigureOut">
               <a:rPr lang="en-US" smtClean="0"/>
-              <a:t>7/28/2022</a:t>
+              <a:t>7/29/2022</a:t>
             </a:fld>
             <a:endParaRPr lang="en-US"/>
           </a:p>
@@ -3152,7 +3153,7 @@
           <a:p>
             <a:fld id="{4924B21A-2457-47CF-9F35-29984DDB0EB1}" type="datetimeFigureOut">
               <a:rPr lang="en-US" smtClean="0"/>
-              <a:t>7/28/2022</a:t>
+              <a:t>7/29/2022</a:t>
             </a:fld>
             <a:endParaRPr lang="en-US"/>
           </a:p>
@@ -3393,7 +3394,7 @@
           <a:p>
             <a:fld id="{4924B21A-2457-47CF-9F35-29984DDB0EB1}" type="datetimeFigureOut">
               <a:rPr lang="en-US" smtClean="0"/>
-              <a:t>7/28/2022</a:t>
+              <a:t>7/29/2022</a:t>
             </a:fld>
             <a:endParaRPr lang="en-US"/>
           </a:p>
@@ -4024,7 +4025,7 @@
         </p:spPr>
         <p:txBody>
           <a:bodyPr>
-            <a:normAutofit fontScale="70000" lnSpcReduction="20000"/>
+            <a:normAutofit fontScale="62500" lnSpcReduction="20000"/>
           </a:bodyPr>
           <a:lstStyle/>
           <a:p>
@@ -4047,8 +4048,13 @@
             </a:r>
             <a:r>
               <a:rPr lang="en-US" dirty="0"/>
-              <a:t>: all measured m/z values or numerical indexes </a:t>
-            </a:r>
+              <a:t>: all measured m/z values or numerical indexes (1,2,3,4</a:t>
+            </a:r>
+            <a:r>
+              <a:rPr lang="en-US"/>
+              <a:t>… etc.)</a:t>
+            </a:r>
+            <a:endParaRPr lang="en-US" dirty="0"/>
           </a:p>
           <a:p>
             <a:pPr lvl="1"/>
@@ -4058,7 +4064,23 @@
             </a:r>
             <a:r>
               <a:rPr lang="en-US" dirty="0"/>
-              <a:t>: glycan compositions corresponding to the m/z values</a:t>
+              <a:t>: glycan compositions corresponding to the m/z values. If you do not have the model-compatible glycan compositions but only the glycan structures</a:t>
+            </a:r>
+            <a:r>
+              <a:rPr lang="en-US" b="1" i="1" dirty="0"/>
+              <a:t>, Sup1_Get_compositions_from_linearcodes.m</a:t>
+            </a:r>
+            <a:r>
+              <a:rPr lang="en-US" dirty="0"/>
+              <a:t> in the </a:t>
+            </a:r>
+            <a:r>
+              <a:rPr lang="en-US" b="1" i="1" dirty="0"/>
+              <a:t>Supplemental Steps</a:t>
+            </a:r>
+            <a:r>
+              <a:rPr lang="en-US" dirty="0"/>
+              <a:t> folder can be used to obtain corresponding glycan compositions from user-provided linear codes.</a:t>
             </a:r>
           </a:p>
           <a:p>
@@ -4200,6 +4222,315 @@
           <p:cNvPr id="2" name="Title 1">
             <a:extLst>
               <a:ext uri="{FF2B5EF4-FFF2-40B4-BE49-F238E27FC236}">
+                <a16:creationId xmlns:a16="http://schemas.microsoft.com/office/drawing/2014/main" id="{84CC6334-6C15-860B-83E8-A9B328A8A477}"/>
+              </a:ext>
+            </a:extLst>
+          </p:cNvPr>
+          <p:cNvSpPr>
+            <a:spLocks noGrp="1"/>
+          </p:cNvSpPr>
+          <p:nvPr>
+            <p:ph type="title"/>
+          </p:nvPr>
+        </p:nvSpPr>
+        <p:spPr/>
+        <p:txBody>
+          <a:bodyPr/>
+          <a:lstStyle/>
+          <a:p>
+            <a:r>
+              <a:rPr lang="en-US" b="1" dirty="0"/>
+              <a:t>Glycan Compositions</a:t>
+            </a:r>
+            <a:endParaRPr lang="en-US" dirty="0"/>
+          </a:p>
+        </p:txBody>
+      </p:sp>
+      <p:sp>
+        <p:nvSpPr>
+          <p:cNvPr id="3" name="Content Placeholder 2">
+            <a:extLst>
+              <a:ext uri="{FF2B5EF4-FFF2-40B4-BE49-F238E27FC236}">
+                <a16:creationId xmlns:a16="http://schemas.microsoft.com/office/drawing/2014/main" id="{4CA440CF-37D0-8B59-5785-37E16A022C88}"/>
+              </a:ext>
+            </a:extLst>
+          </p:cNvPr>
+          <p:cNvSpPr>
+            <a:spLocks noGrp="1"/>
+          </p:cNvSpPr>
+          <p:nvPr>
+            <p:ph idx="1"/>
+          </p:nvPr>
+        </p:nvSpPr>
+        <p:spPr/>
+        <p:txBody>
+          <a:bodyPr>
+            <a:normAutofit fontScale="77500" lnSpcReduction="20000"/>
+          </a:bodyPr>
+          <a:lstStyle/>
+          <a:p>
+            <a:r>
+              <a:rPr lang="en-US" dirty="0"/>
+              <a:t>The pipeline-compatible glycan composition has the following format:</a:t>
+            </a:r>
+          </a:p>
+          <a:p>
+            <a:pPr marL="0" indent="0">
+              <a:buNone/>
+            </a:pPr>
+            <a:r>
+              <a:rPr lang="en-US" dirty="0"/>
+              <a:t>                                </a:t>
+            </a:r>
+            <a:r>
+              <a:rPr lang="en-US" dirty="0">
+                <a:solidFill>
+                  <a:srgbClr val="FF0000"/>
+                </a:solidFill>
+              </a:rPr>
+              <a:t>dHex#d1</a:t>
+            </a:r>
+            <a:r>
+              <a:rPr lang="en-US" dirty="0"/>
+              <a:t>NeuAc#d2</a:t>
+            </a:r>
+            <a:r>
+              <a:rPr lang="en-US" dirty="0">
+                <a:solidFill>
+                  <a:schemeClr val="accent1"/>
+                </a:solidFill>
+              </a:rPr>
+              <a:t>Hex#d3</a:t>
+            </a:r>
+            <a:r>
+              <a:rPr lang="en-US" dirty="0">
+                <a:solidFill>
+                  <a:schemeClr val="accent2">
+                    <a:lumMod val="75000"/>
+                  </a:schemeClr>
+                </a:solidFill>
+              </a:rPr>
+              <a:t>HexNAc#d4</a:t>
+            </a:r>
+          </a:p>
+          <a:p>
+            <a:pPr marL="0" indent="0">
+              <a:buNone/>
+            </a:pPr>
+            <a:endParaRPr lang="en-US" dirty="0">
+              <a:solidFill>
+                <a:schemeClr val="accent2">
+                  <a:lumMod val="75000"/>
+                </a:schemeClr>
+              </a:solidFill>
+            </a:endParaRPr>
+          </a:p>
+          <a:p>
+            <a:pPr marL="0" indent="0">
+              <a:buNone/>
+            </a:pPr>
+            <a:r>
+              <a:rPr lang="en-US" dirty="0">
+                <a:solidFill>
+                  <a:srgbClr val="FF0000"/>
+                </a:solidFill>
+              </a:rPr>
+              <a:t>#d1: the number of fucose (</a:t>
+            </a:r>
+            <a:r>
+              <a:rPr lang="en-US" dirty="0" err="1">
+                <a:solidFill>
+                  <a:srgbClr val="FF0000"/>
+                </a:solidFill>
+              </a:rPr>
+              <a:t>dHex</a:t>
+            </a:r>
+            <a:r>
+              <a:rPr lang="en-US" dirty="0">
+                <a:solidFill>
+                  <a:srgbClr val="FF0000"/>
+                </a:solidFill>
+              </a:rPr>
+              <a:t>)</a:t>
+            </a:r>
+            <a:endParaRPr lang="en-US" dirty="0">
+              <a:solidFill>
+                <a:schemeClr val="accent2">
+                  <a:lumMod val="75000"/>
+                </a:schemeClr>
+              </a:solidFill>
+            </a:endParaRPr>
+          </a:p>
+          <a:p>
+            <a:pPr marL="0" indent="0">
+              <a:buNone/>
+            </a:pPr>
+            <a:r>
+              <a:rPr lang="en-US" dirty="0"/>
+              <a:t>#d2: the number of sialic acid (</a:t>
+            </a:r>
+            <a:r>
+              <a:rPr lang="en-US" dirty="0" err="1"/>
+              <a:t>NeuAc</a:t>
+            </a:r>
+            <a:r>
+              <a:rPr lang="en-US" dirty="0"/>
+              <a:t>)</a:t>
+            </a:r>
+          </a:p>
+          <a:p>
+            <a:pPr marL="0" indent="0">
+              <a:buNone/>
+            </a:pPr>
+            <a:r>
+              <a:rPr lang="en-US" dirty="0">
+                <a:solidFill>
+                  <a:schemeClr val="accent1"/>
+                </a:solidFill>
+              </a:rPr>
+              <a:t>#d3: the number of galactose and mannose (Hex)</a:t>
+            </a:r>
+          </a:p>
+          <a:p>
+            <a:pPr marL="0" indent="0" algn="l">
+              <a:buNone/>
+            </a:pPr>
+            <a:r>
+              <a:rPr lang="en-US" dirty="0">
+                <a:solidFill>
+                  <a:schemeClr val="accent2">
+                    <a:lumMod val="75000"/>
+                  </a:schemeClr>
+                </a:solidFill>
+              </a:rPr>
+              <a:t>#d4: the number of N-Acetylglucosamine (</a:t>
+            </a:r>
+            <a:r>
+              <a:rPr lang="en-US" dirty="0" err="1">
+                <a:solidFill>
+                  <a:schemeClr val="accent2">
+                    <a:lumMod val="75000"/>
+                  </a:schemeClr>
+                </a:solidFill>
+              </a:rPr>
+              <a:t>HexNAc</a:t>
+            </a:r>
+            <a:r>
+              <a:rPr lang="en-US" dirty="0">
+                <a:solidFill>
+                  <a:schemeClr val="accent2">
+                    <a:lumMod val="75000"/>
+                  </a:schemeClr>
+                </a:solidFill>
+              </a:rPr>
+              <a:t>)</a:t>
+            </a:r>
+          </a:p>
+          <a:p>
+            <a:pPr marL="0" indent="0">
+              <a:buNone/>
+            </a:pPr>
+            <a:endParaRPr lang="en-US" dirty="0">
+              <a:solidFill>
+                <a:schemeClr val="accent2">
+                  <a:lumMod val="75000"/>
+                </a:schemeClr>
+              </a:solidFill>
+            </a:endParaRPr>
+          </a:p>
+          <a:p>
+            <a:r>
+              <a:rPr lang="en-US" b="1" dirty="0"/>
+              <a:t>Rules</a:t>
+            </a:r>
+          </a:p>
+          <a:p>
+            <a:pPr lvl="1"/>
+            <a:r>
+              <a:rPr lang="en-US" dirty="0"/>
+              <a:t>If a </a:t>
+            </a:r>
+            <a:r>
+              <a:rPr lang="en-US" sz="2500" dirty="0"/>
+              <a:t>number is 0, the string representing the specific monosaccharide(s) and the number should be dropped. For example, </a:t>
+            </a:r>
+            <a:r>
+              <a:rPr lang="en-US" sz="2500" b="1" dirty="0"/>
+              <a:t>dHex0Hex7HexNAc8</a:t>
+            </a:r>
+            <a:r>
+              <a:rPr lang="en-US" sz="2500" dirty="0"/>
+              <a:t> should be </a:t>
+            </a:r>
+            <a:r>
+              <a:rPr lang="en-US" sz="2500" b="1" dirty="0"/>
+              <a:t>Hex7HexNAc8 </a:t>
+            </a:r>
+            <a:r>
+              <a:rPr lang="en-US" sz="2500" dirty="0"/>
+              <a:t>instead</a:t>
+            </a:r>
+          </a:p>
+          <a:p>
+            <a:pPr lvl="1"/>
+            <a:r>
+              <a:rPr lang="en-US" sz="2500" dirty="0"/>
+              <a:t>If a number is 1, the number should be dropped. For example, </a:t>
+            </a:r>
+            <a:r>
+              <a:rPr lang="en-US" sz="2500" b="1" dirty="0"/>
+              <a:t>dHex1Hex7HexNAc8</a:t>
+            </a:r>
+            <a:r>
+              <a:rPr lang="en-US" sz="2500" dirty="0"/>
+              <a:t> should be </a:t>
+            </a:r>
+            <a:r>
+              <a:rPr lang="en-US" sz="2500" b="1" dirty="0"/>
+              <a:t>dHexHex7HexNAc8</a:t>
+            </a:r>
+            <a:r>
+              <a:rPr lang="en-US" sz="2500" dirty="0"/>
+              <a:t> instead.</a:t>
+            </a:r>
+          </a:p>
+        </p:txBody>
+      </p:sp>
+    </p:spTree>
+    <p:extLst>
+      <p:ext uri="{BB962C8B-B14F-4D97-AF65-F5344CB8AC3E}">
+        <p14:creationId xmlns:p14="http://schemas.microsoft.com/office/powerpoint/2010/main" val="479614037"/>
+      </p:ext>
+    </p:extLst>
+  </p:cSld>
+  <p:clrMapOvr>
+    <a:masterClrMapping/>
+  </p:clrMapOvr>
+</p:sld>
+</file>
+
+<file path=ppt/slides/slide4.xml><?xml version="1.0" encoding="utf-8"?>
+<p:sld xmlns:a="http://schemas.openxmlformats.org/drawingml/2006/main" xmlns:r="http://schemas.openxmlformats.org/officeDocument/2006/relationships" xmlns:p="http://schemas.openxmlformats.org/presentationml/2006/main">
+  <p:cSld>
+    <p:spTree>
+      <p:nvGrpSpPr>
+        <p:cNvPr id="1" name=""/>
+        <p:cNvGrpSpPr/>
+        <p:nvPr/>
+      </p:nvGrpSpPr>
+      <p:grpSpPr>
+        <a:xfrm>
+          <a:off x="0" y="0"/>
+          <a:ext cx="0" cy="0"/>
+          <a:chOff x="0" y="0"/>
+          <a:chExt cx="0" cy="0"/>
+        </a:xfrm>
+      </p:grpSpPr>
+      <p:sp>
+        <p:nvSpPr>
+          <p:cNvPr id="2" name="Title 1">
+            <a:extLst>
+              <a:ext uri="{FF2B5EF4-FFF2-40B4-BE49-F238E27FC236}">
                 <a16:creationId xmlns:a16="http://schemas.microsoft.com/office/drawing/2014/main" id="{CB0903A2-A9BA-AAAC-69AB-4363095F10BE}"/>
               </a:ext>
             </a:extLst>
@@ -4418,7 +4749,7 @@
 </p:sld>
 </file>
 
-<file path=ppt/slides/slide4.xml><?xml version="1.0" encoding="utf-8"?>
+<file path=ppt/slides/slide5.xml><?xml version="1.0" encoding="utf-8"?>
 <p:sld xmlns:a="http://schemas.openxmlformats.org/drawingml/2006/main" xmlns:r="http://schemas.openxmlformats.org/officeDocument/2006/relationships" xmlns:p="http://schemas.openxmlformats.org/presentationml/2006/main">
   <p:cSld>
     <p:spTree>
@@ -4545,7 +4876,7 @@
 </p:sld>
 </file>
 
-<file path=ppt/slides/slide5.xml><?xml version="1.0" encoding="utf-8"?>
+<file path=ppt/slides/slide6.xml><?xml version="1.0" encoding="utf-8"?>
 <p:sld xmlns:a="http://schemas.openxmlformats.org/drawingml/2006/main" xmlns:r="http://schemas.openxmlformats.org/officeDocument/2006/relationships" xmlns:p="http://schemas.openxmlformats.org/presentationml/2006/main">
   <p:cSld>
     <p:spTree>

--- a/Step0_Data_Preprocessing.pptx
+++ b/Step0_Data_Preprocessing.pptx
@@ -202,7 +202,7 @@
           <a:p>
             <a:fld id="{195BDE07-EFAD-4019-A54A-8B1C5C8F7A4D}" type="datetimeFigureOut">
               <a:rPr lang="en-US" smtClean="0"/>
-              <a:t>7/29/2022</a:t>
+              <a:t>7/31/2022</a:t>
             </a:fld>
             <a:endParaRPr lang="en-US"/>
           </a:p>
@@ -744,7 +744,7 @@
           <a:p>
             <a:fld id="{4924B21A-2457-47CF-9F35-29984DDB0EB1}" type="datetimeFigureOut">
               <a:rPr lang="en-US" smtClean="0"/>
-              <a:t>7/29/2022</a:t>
+              <a:t>7/31/2022</a:t>
             </a:fld>
             <a:endParaRPr lang="en-US"/>
           </a:p>
@@ -942,7 +942,7 @@
           <a:p>
             <a:fld id="{4924B21A-2457-47CF-9F35-29984DDB0EB1}" type="datetimeFigureOut">
               <a:rPr lang="en-US" smtClean="0"/>
-              <a:t>7/29/2022</a:t>
+              <a:t>7/31/2022</a:t>
             </a:fld>
             <a:endParaRPr lang="en-US"/>
           </a:p>
@@ -1150,7 +1150,7 @@
           <a:p>
             <a:fld id="{4924B21A-2457-47CF-9F35-29984DDB0EB1}" type="datetimeFigureOut">
               <a:rPr lang="en-US" smtClean="0"/>
-              <a:t>7/29/2022</a:t>
+              <a:t>7/31/2022</a:t>
             </a:fld>
             <a:endParaRPr lang="en-US"/>
           </a:p>
@@ -1348,7 +1348,7 @@
           <a:p>
             <a:fld id="{4924B21A-2457-47CF-9F35-29984DDB0EB1}" type="datetimeFigureOut">
               <a:rPr lang="en-US" smtClean="0"/>
-              <a:t>7/29/2022</a:t>
+              <a:t>7/31/2022</a:t>
             </a:fld>
             <a:endParaRPr lang="en-US"/>
           </a:p>
@@ -1623,7 +1623,7 @@
           <a:p>
             <a:fld id="{4924B21A-2457-47CF-9F35-29984DDB0EB1}" type="datetimeFigureOut">
               <a:rPr lang="en-US" smtClean="0"/>
-              <a:t>7/29/2022</a:t>
+              <a:t>7/31/2022</a:t>
             </a:fld>
             <a:endParaRPr lang="en-US"/>
           </a:p>
@@ -1888,7 +1888,7 @@
           <a:p>
             <a:fld id="{4924B21A-2457-47CF-9F35-29984DDB0EB1}" type="datetimeFigureOut">
               <a:rPr lang="en-US" smtClean="0"/>
-              <a:t>7/29/2022</a:t>
+              <a:t>7/31/2022</a:t>
             </a:fld>
             <a:endParaRPr lang="en-US"/>
           </a:p>
@@ -2300,7 +2300,7 @@
           <a:p>
             <a:fld id="{4924B21A-2457-47CF-9F35-29984DDB0EB1}" type="datetimeFigureOut">
               <a:rPr lang="en-US" smtClean="0"/>
-              <a:t>7/29/2022</a:t>
+              <a:t>7/31/2022</a:t>
             </a:fld>
             <a:endParaRPr lang="en-US"/>
           </a:p>
@@ -2441,7 +2441,7 @@
           <a:p>
             <a:fld id="{4924B21A-2457-47CF-9F35-29984DDB0EB1}" type="datetimeFigureOut">
               <a:rPr lang="en-US" smtClean="0"/>
-              <a:t>7/29/2022</a:t>
+              <a:t>7/31/2022</a:t>
             </a:fld>
             <a:endParaRPr lang="en-US"/>
           </a:p>
@@ -2554,7 +2554,7 @@
           <a:p>
             <a:fld id="{4924B21A-2457-47CF-9F35-29984DDB0EB1}" type="datetimeFigureOut">
               <a:rPr lang="en-US" smtClean="0"/>
-              <a:t>7/29/2022</a:t>
+              <a:t>7/31/2022</a:t>
             </a:fld>
             <a:endParaRPr lang="en-US"/>
           </a:p>
@@ -2865,7 +2865,7 @@
           <a:p>
             <a:fld id="{4924B21A-2457-47CF-9F35-29984DDB0EB1}" type="datetimeFigureOut">
               <a:rPr lang="en-US" smtClean="0"/>
-              <a:t>7/29/2022</a:t>
+              <a:t>7/31/2022</a:t>
             </a:fld>
             <a:endParaRPr lang="en-US"/>
           </a:p>
@@ -3153,7 +3153,7 @@
           <a:p>
             <a:fld id="{4924B21A-2457-47CF-9F35-29984DDB0EB1}" type="datetimeFigureOut">
               <a:rPr lang="en-US" smtClean="0"/>
-              <a:t>7/29/2022</a:t>
+              <a:t>7/31/2022</a:t>
             </a:fld>
             <a:endParaRPr lang="en-US"/>
           </a:p>
@@ -3394,7 +3394,7 @@
           <a:p>
             <a:fld id="{4924B21A-2457-47CF-9F35-29984DDB0EB1}" type="datetimeFigureOut">
               <a:rPr lang="en-US" smtClean="0"/>
-              <a:t>7/29/2022</a:t>
+              <a:t>7/31/2022</a:t>
             </a:fld>
             <a:endParaRPr lang="en-US"/>
           </a:p>
@@ -4279,20 +4279,16 @@
               <a:buNone/>
             </a:pPr>
             <a:r>
-              <a:rPr lang="en-US" dirty="0"/>
-              <a:t>                                </a:t>
-            </a:r>
-            <a:r>
               <a:rPr lang="en-US" dirty="0">
                 <a:solidFill>
                   <a:srgbClr val="FF0000"/>
                 </a:solidFill>
               </a:rPr>
-              <a:t>dHex#d1</a:t>
+              <a:t>                                NeuAc#d1</a:t>
             </a:r>
             <a:r>
               <a:rPr lang="en-US" dirty="0"/>
-              <a:t>NeuAc#d2</a:t>
+              <a:t>dHex#d2</a:t>
             </a:r>
             <a:r>
               <a:rPr lang="en-US" dirty="0">
@@ -4335,7 +4331,7 @@
                   <a:srgbClr val="FF0000"/>
                 </a:solidFill>
               </a:rPr>
-              <a:t>#d1: the number of fucose (</a:t>
+              <a:t>#d1: the number of sialic acid (</a:t>
             </a:r>
             <a:r>
               <a:rPr lang="en-US" dirty="0" err="1">
@@ -4343,7 +4339,7 @@
                   <a:srgbClr val="FF0000"/>
                 </a:solidFill>
               </a:rPr>
-              <a:t>dHex</a:t>
+              <a:t>NeuAc</a:t>
             </a:r>
             <a:r>
               <a:rPr lang="en-US" dirty="0">
@@ -4353,13 +4349,6 @@
               </a:rPr>
               <a:t>)</a:t>
             </a:r>
-            <a:endParaRPr lang="en-US" dirty="0">
-              <a:solidFill>
-                <a:schemeClr val="accent2">
-                  <a:lumMod val="75000"/>
-                </a:schemeClr>
-              </a:solidFill>
-            </a:endParaRPr>
           </a:p>
           <a:p>
             <a:pPr marL="0" indent="0">
@@ -4367,11 +4356,11 @@
             </a:pPr>
             <a:r>
               <a:rPr lang="en-US" dirty="0"/>
-              <a:t>#d2: the number of sialic acid (</a:t>
+              <a:t>#d2: the number of fucose (</a:t>
             </a:r>
             <a:r>
               <a:rPr lang="en-US" dirty="0" err="1"/>
-              <a:t>NeuAc</a:t>
+              <a:t>dHex</a:t>
             </a:r>
             <a:r>
               <a:rPr lang="en-US" dirty="0"/>

--- a/Step0_Data_Preprocessing.pptx
+++ b/Step0_Data_Preprocessing.pptx
@@ -5,15 +5,14 @@
     <p:sldMasterId id="2147483648" r:id="rId1"/>
   </p:sldMasterIdLst>
   <p:notesMasterIdLst>
-    <p:notesMasterId r:id="rId8"/>
+    <p:notesMasterId r:id="rId7"/>
   </p:notesMasterIdLst>
   <p:sldIdLst>
     <p:sldId id="256" r:id="rId2"/>
     <p:sldId id="259" r:id="rId3"/>
-    <p:sldId id="262" r:id="rId4"/>
-    <p:sldId id="258" r:id="rId5"/>
+    <p:sldId id="258" r:id="rId4"/>
+    <p:sldId id="262" r:id="rId5"/>
     <p:sldId id="260" r:id="rId6"/>
-    <p:sldId id="261" r:id="rId7"/>
   </p:sldIdLst>
   <p:sldSz cx="12192000" cy="6858000"/>
   <p:notesSz cx="6858000" cy="9144000"/>
@@ -202,7 +201,7 @@
           <a:p>
             <a:fld id="{195BDE07-EFAD-4019-A54A-8B1C5C8F7A4D}" type="datetimeFigureOut">
               <a:rPr lang="en-US" smtClean="0"/>
-              <a:t>7/31/2022</a:t>
+              <a:t>8/2/2022</a:t>
             </a:fld>
             <a:endParaRPr lang="en-US"/>
           </a:p>
@@ -578,7 +577,7 @@
           <a:p>
             <a:fld id="{813646BE-A36F-4266-B27E-C8E5875582E9}" type="slidenum">
               <a:rPr lang="en-US" smtClean="0"/>
-              <a:t>4</a:t>
+              <a:t>3</a:t>
             </a:fld>
             <a:endParaRPr lang="en-US"/>
           </a:p>
@@ -744,7 +743,7 @@
           <a:p>
             <a:fld id="{4924B21A-2457-47CF-9F35-29984DDB0EB1}" type="datetimeFigureOut">
               <a:rPr lang="en-US" smtClean="0"/>
-              <a:t>7/31/2022</a:t>
+              <a:t>8/2/2022</a:t>
             </a:fld>
             <a:endParaRPr lang="en-US"/>
           </a:p>
@@ -942,7 +941,7 @@
           <a:p>
             <a:fld id="{4924B21A-2457-47CF-9F35-29984DDB0EB1}" type="datetimeFigureOut">
               <a:rPr lang="en-US" smtClean="0"/>
-              <a:t>7/31/2022</a:t>
+              <a:t>8/2/2022</a:t>
             </a:fld>
             <a:endParaRPr lang="en-US"/>
           </a:p>
@@ -1150,7 +1149,7 @@
           <a:p>
             <a:fld id="{4924B21A-2457-47CF-9F35-29984DDB0EB1}" type="datetimeFigureOut">
               <a:rPr lang="en-US" smtClean="0"/>
-              <a:t>7/31/2022</a:t>
+              <a:t>8/2/2022</a:t>
             </a:fld>
             <a:endParaRPr lang="en-US"/>
           </a:p>
@@ -1348,7 +1347,7 @@
           <a:p>
             <a:fld id="{4924B21A-2457-47CF-9F35-29984DDB0EB1}" type="datetimeFigureOut">
               <a:rPr lang="en-US" smtClean="0"/>
-              <a:t>7/31/2022</a:t>
+              <a:t>8/2/2022</a:t>
             </a:fld>
             <a:endParaRPr lang="en-US"/>
           </a:p>
@@ -1623,7 +1622,7 @@
           <a:p>
             <a:fld id="{4924B21A-2457-47CF-9F35-29984DDB0EB1}" type="datetimeFigureOut">
               <a:rPr lang="en-US" smtClean="0"/>
-              <a:t>7/31/2022</a:t>
+              <a:t>8/2/2022</a:t>
             </a:fld>
             <a:endParaRPr lang="en-US"/>
           </a:p>
@@ -1888,7 +1887,7 @@
           <a:p>
             <a:fld id="{4924B21A-2457-47CF-9F35-29984DDB0EB1}" type="datetimeFigureOut">
               <a:rPr lang="en-US" smtClean="0"/>
-              <a:t>7/31/2022</a:t>
+              <a:t>8/2/2022</a:t>
             </a:fld>
             <a:endParaRPr lang="en-US"/>
           </a:p>
@@ -2300,7 +2299,7 @@
           <a:p>
             <a:fld id="{4924B21A-2457-47CF-9F35-29984DDB0EB1}" type="datetimeFigureOut">
               <a:rPr lang="en-US" smtClean="0"/>
-              <a:t>7/31/2022</a:t>
+              <a:t>8/2/2022</a:t>
             </a:fld>
             <a:endParaRPr lang="en-US"/>
           </a:p>
@@ -2441,7 +2440,7 @@
           <a:p>
             <a:fld id="{4924B21A-2457-47CF-9F35-29984DDB0EB1}" type="datetimeFigureOut">
               <a:rPr lang="en-US" smtClean="0"/>
-              <a:t>7/31/2022</a:t>
+              <a:t>8/2/2022</a:t>
             </a:fld>
             <a:endParaRPr lang="en-US"/>
           </a:p>
@@ -2554,7 +2553,7 @@
           <a:p>
             <a:fld id="{4924B21A-2457-47CF-9F35-29984DDB0EB1}" type="datetimeFigureOut">
               <a:rPr lang="en-US" smtClean="0"/>
-              <a:t>7/31/2022</a:t>
+              <a:t>8/2/2022</a:t>
             </a:fld>
             <a:endParaRPr lang="en-US"/>
           </a:p>
@@ -2865,7 +2864,7 @@
           <a:p>
             <a:fld id="{4924B21A-2457-47CF-9F35-29984DDB0EB1}" type="datetimeFigureOut">
               <a:rPr lang="en-US" smtClean="0"/>
-              <a:t>7/31/2022</a:t>
+              <a:t>8/2/2022</a:t>
             </a:fld>
             <a:endParaRPr lang="en-US"/>
           </a:p>
@@ -3153,7 +3152,7 @@
           <a:p>
             <a:fld id="{4924B21A-2457-47CF-9F35-29984DDB0EB1}" type="datetimeFigureOut">
               <a:rPr lang="en-US" smtClean="0"/>
-              <a:t>7/31/2022</a:t>
+              <a:t>8/2/2022</a:t>
             </a:fld>
             <a:endParaRPr lang="en-US"/>
           </a:p>
@@ -3394,7 +3393,7 @@
           <a:p>
             <a:fld id="{4924B21A-2457-47CF-9F35-29984DDB0EB1}" type="datetimeFigureOut">
               <a:rPr lang="en-US" smtClean="0"/>
-              <a:t>7/31/2022</a:t>
+              <a:t>8/2/2022</a:t>
             </a:fld>
             <a:endParaRPr lang="en-US"/>
           </a:p>
@@ -3858,7 +3857,7 @@
         <p:spPr/>
         <p:txBody>
           <a:bodyPr>
-            <a:normAutofit fontScale="70000" lnSpcReduction="20000"/>
+            <a:normAutofit fontScale="62500" lnSpcReduction="20000"/>
           </a:bodyPr>
           <a:lstStyle/>
           <a:p>
@@ -3868,7 +3867,15 @@
             </a:r>
             <a:r>
               <a:rPr lang="en-US" dirty="0"/>
-              <a:t> data needs to be preprocessed. Materials needed include:</a:t>
+              <a:t> data needs to be preprocessed. </a:t>
+            </a:r>
+            <a:r>
+              <a:rPr lang="en-US" b="1" u="sng" dirty="0"/>
+              <a:t>Materials needed </a:t>
+            </a:r>
+            <a:r>
+              <a:rPr lang="en-US" dirty="0"/>
+              <a:t>include:</a:t>
             </a:r>
           </a:p>
           <a:p>
@@ -3897,12 +3904,8 @@
           </a:p>
           <a:p>
             <a:r>
-              <a:rPr lang="en-US" dirty="0"/>
-              <a:t>Raw MS data, glycan monosaccharide compositions, and glycan annotations must be organized in the format specified by </a:t>
-            </a:r>
-            <a:r>
               <a:rPr lang="en-US" b="1" dirty="0"/>
-              <a:t>Data.xlsx </a:t>
+              <a:t>Raw MS data, glycan monosaccharide compositions, and glycan annotations must be organized in the format specified by Data.xlsx </a:t>
             </a:r>
             <a:r>
               <a:rPr lang="en-US" dirty="0"/>
@@ -3923,11 +3926,46 @@
           <a:p>
             <a:r>
               <a:rPr lang="en-US" dirty="0"/>
+              <a:t>Format data in accordance with the formats specified on </a:t>
+            </a:r>
+            <a:r>
+              <a:rPr lang="en-US" b="1" u="sng" dirty="0"/>
+              <a:t>slide 1</a:t>
+            </a:r>
+            <a:r>
+              <a:rPr lang="en-US" dirty="0"/>
+              <a:t> and </a:t>
+            </a:r>
+            <a:r>
+              <a:rPr lang="en-US" b="1" u="sng" dirty="0"/>
+              <a:t>slide 2</a:t>
+            </a:r>
+            <a:r>
+              <a:rPr lang="en-US" dirty="0"/>
+              <a:t>.</a:t>
+            </a:r>
+          </a:p>
+          <a:p>
+            <a:endParaRPr lang="en-US" dirty="0"/>
+          </a:p>
+          <a:p>
+            <a:pPr marL="0" indent="0">
+              <a:buNone/>
+            </a:pPr>
+            <a:r>
+              <a:rPr lang="en-US" b="1" u="sng" dirty="0"/>
+              <a:t>Note</a:t>
+            </a:r>
+            <a:r>
+              <a:rPr lang="en-US" dirty="0"/>
+              <a:t>:</a:t>
+            </a:r>
+          </a:p>
+          <a:p>
+            <a:r>
+              <a:rPr lang="en-US" dirty="0"/>
               <a:t>Regardless of annotations, both sheets must be present.</a:t>
             </a:r>
-          </a:p>
-          <a:p>
-            <a:endParaRPr lang="en-US" dirty="0"/>
           </a:p>
           <a:p>
             <a:r>
@@ -4048,13 +4086,8 @@
             </a:r>
             <a:r>
               <a:rPr lang="en-US" dirty="0"/>
-              <a:t>: all measured m/z values or numerical indexes (1,2,3,4</a:t>
-            </a:r>
-            <a:r>
-              <a:rPr lang="en-US"/>
-              <a:t>… etc.)</a:t>
-            </a:r>
-            <a:endParaRPr lang="en-US" dirty="0"/>
+              <a:t>: all measured m/z values or numerical indexes (1,2,3,4… etc.)</a:t>
+            </a:r>
           </a:p>
           <a:p>
             <a:pPr lvl="1"/>
@@ -4080,7 +4113,15 @@
             </a:r>
             <a:r>
               <a:rPr lang="en-US" dirty="0"/>
-              <a:t> folder can be used to obtain corresponding glycan compositions from user-provided linear codes.</a:t>
+              <a:t> folder can be used to obtain corresponding glycan compositions from user-provided linear codes. If you prefer to manually enter glycan compositions, </a:t>
+            </a:r>
+            <a:r>
+              <a:rPr lang="en-US" b="1" u="sng" dirty="0"/>
+              <a:t>slide 3</a:t>
+            </a:r>
+            <a:r>
+              <a:rPr lang="en-US" dirty="0"/>
+              <a:t> specifies the format recognizable by the pipeline.</a:t>
             </a:r>
           </a:p>
           <a:p>
@@ -4127,7 +4168,7 @@
             </a:r>
             <a:r>
               <a:rPr lang="en-US" dirty="0"/>
-              <a:t>). </a:t>
+              <a:t>), and the </a:t>
             </a:r>
             <a:r>
               <a:rPr lang="en-US" b="1" dirty="0"/>
@@ -4222,304 +4263,6 @@
           <p:cNvPr id="2" name="Title 1">
             <a:extLst>
               <a:ext uri="{FF2B5EF4-FFF2-40B4-BE49-F238E27FC236}">
-                <a16:creationId xmlns:a16="http://schemas.microsoft.com/office/drawing/2014/main" id="{84CC6334-6C15-860B-83E8-A9B328A8A477}"/>
-              </a:ext>
-            </a:extLst>
-          </p:cNvPr>
-          <p:cNvSpPr>
-            <a:spLocks noGrp="1"/>
-          </p:cNvSpPr>
-          <p:nvPr>
-            <p:ph type="title"/>
-          </p:nvPr>
-        </p:nvSpPr>
-        <p:spPr/>
-        <p:txBody>
-          <a:bodyPr/>
-          <a:lstStyle/>
-          <a:p>
-            <a:r>
-              <a:rPr lang="en-US" b="1" dirty="0"/>
-              <a:t>Glycan Compositions</a:t>
-            </a:r>
-            <a:endParaRPr lang="en-US" dirty="0"/>
-          </a:p>
-        </p:txBody>
-      </p:sp>
-      <p:sp>
-        <p:nvSpPr>
-          <p:cNvPr id="3" name="Content Placeholder 2">
-            <a:extLst>
-              <a:ext uri="{FF2B5EF4-FFF2-40B4-BE49-F238E27FC236}">
-                <a16:creationId xmlns:a16="http://schemas.microsoft.com/office/drawing/2014/main" id="{4CA440CF-37D0-8B59-5785-37E16A022C88}"/>
-              </a:ext>
-            </a:extLst>
-          </p:cNvPr>
-          <p:cNvSpPr>
-            <a:spLocks noGrp="1"/>
-          </p:cNvSpPr>
-          <p:nvPr>
-            <p:ph idx="1"/>
-          </p:nvPr>
-        </p:nvSpPr>
-        <p:spPr/>
-        <p:txBody>
-          <a:bodyPr>
-            <a:normAutofit fontScale="77500" lnSpcReduction="20000"/>
-          </a:bodyPr>
-          <a:lstStyle/>
-          <a:p>
-            <a:r>
-              <a:rPr lang="en-US" dirty="0"/>
-              <a:t>The pipeline-compatible glycan composition has the following format:</a:t>
-            </a:r>
-          </a:p>
-          <a:p>
-            <a:pPr marL="0" indent="0">
-              <a:buNone/>
-            </a:pPr>
-            <a:r>
-              <a:rPr lang="en-US" dirty="0">
-                <a:solidFill>
-                  <a:srgbClr val="FF0000"/>
-                </a:solidFill>
-              </a:rPr>
-              <a:t>                                NeuAc#d1</a:t>
-            </a:r>
-            <a:r>
-              <a:rPr lang="en-US" dirty="0"/>
-              <a:t>dHex#d2</a:t>
-            </a:r>
-            <a:r>
-              <a:rPr lang="en-US" dirty="0">
-                <a:solidFill>
-                  <a:schemeClr val="accent1"/>
-                </a:solidFill>
-              </a:rPr>
-              <a:t>Hex#d3</a:t>
-            </a:r>
-            <a:r>
-              <a:rPr lang="en-US" dirty="0">
-                <a:solidFill>
-                  <a:schemeClr val="accent2">
-                    <a:lumMod val="75000"/>
-                  </a:schemeClr>
-                </a:solidFill>
-              </a:rPr>
-              <a:t>HexNAc#d4</a:t>
-            </a:r>
-          </a:p>
-          <a:p>
-            <a:pPr marL="0" indent="0">
-              <a:buNone/>
-            </a:pPr>
-            <a:endParaRPr lang="en-US" dirty="0">
-              <a:solidFill>
-                <a:schemeClr val="accent2">
-                  <a:lumMod val="75000"/>
-                </a:schemeClr>
-              </a:solidFill>
-            </a:endParaRPr>
-          </a:p>
-          <a:p>
-            <a:pPr marL="0" indent="0">
-              <a:buNone/>
-            </a:pPr>
-            <a:r>
-              <a:rPr lang="en-US" dirty="0">
-                <a:solidFill>
-                  <a:srgbClr val="FF0000"/>
-                </a:solidFill>
-              </a:rPr>
-              <a:t>#d1: the number of sialic acid (</a:t>
-            </a:r>
-            <a:r>
-              <a:rPr lang="en-US" dirty="0" err="1">
-                <a:solidFill>
-                  <a:srgbClr val="FF0000"/>
-                </a:solidFill>
-              </a:rPr>
-              <a:t>NeuAc</a:t>
-            </a:r>
-            <a:r>
-              <a:rPr lang="en-US" dirty="0">
-                <a:solidFill>
-                  <a:srgbClr val="FF0000"/>
-                </a:solidFill>
-              </a:rPr>
-              <a:t>)</a:t>
-            </a:r>
-          </a:p>
-          <a:p>
-            <a:pPr marL="0" indent="0">
-              <a:buNone/>
-            </a:pPr>
-            <a:r>
-              <a:rPr lang="en-US" dirty="0"/>
-              <a:t>#d2: the number of fucose (</a:t>
-            </a:r>
-            <a:r>
-              <a:rPr lang="en-US" dirty="0" err="1"/>
-              <a:t>dHex</a:t>
-            </a:r>
-            <a:r>
-              <a:rPr lang="en-US" dirty="0"/>
-              <a:t>)</a:t>
-            </a:r>
-          </a:p>
-          <a:p>
-            <a:pPr marL="0" indent="0">
-              <a:buNone/>
-            </a:pPr>
-            <a:r>
-              <a:rPr lang="en-US" dirty="0">
-                <a:solidFill>
-                  <a:schemeClr val="accent1"/>
-                </a:solidFill>
-              </a:rPr>
-              <a:t>#d3: the number of galactose and mannose (Hex)</a:t>
-            </a:r>
-          </a:p>
-          <a:p>
-            <a:pPr marL="0" indent="0" algn="l">
-              <a:buNone/>
-            </a:pPr>
-            <a:r>
-              <a:rPr lang="en-US" dirty="0">
-                <a:solidFill>
-                  <a:schemeClr val="accent2">
-                    <a:lumMod val="75000"/>
-                  </a:schemeClr>
-                </a:solidFill>
-              </a:rPr>
-              <a:t>#d4: the number of N-Acetylglucosamine (</a:t>
-            </a:r>
-            <a:r>
-              <a:rPr lang="en-US" dirty="0" err="1">
-                <a:solidFill>
-                  <a:schemeClr val="accent2">
-                    <a:lumMod val="75000"/>
-                  </a:schemeClr>
-                </a:solidFill>
-              </a:rPr>
-              <a:t>HexNAc</a:t>
-            </a:r>
-            <a:r>
-              <a:rPr lang="en-US" dirty="0">
-                <a:solidFill>
-                  <a:schemeClr val="accent2">
-                    <a:lumMod val="75000"/>
-                  </a:schemeClr>
-                </a:solidFill>
-              </a:rPr>
-              <a:t>)</a:t>
-            </a:r>
-          </a:p>
-          <a:p>
-            <a:pPr marL="0" indent="0">
-              <a:buNone/>
-            </a:pPr>
-            <a:endParaRPr lang="en-US" dirty="0">
-              <a:solidFill>
-                <a:schemeClr val="accent2">
-                  <a:lumMod val="75000"/>
-                </a:schemeClr>
-              </a:solidFill>
-            </a:endParaRPr>
-          </a:p>
-          <a:p>
-            <a:r>
-              <a:rPr lang="en-US" b="1" dirty="0"/>
-              <a:t>Rules</a:t>
-            </a:r>
-          </a:p>
-          <a:p>
-            <a:pPr lvl="1"/>
-            <a:r>
-              <a:rPr lang="en-US" dirty="0"/>
-              <a:t>If a </a:t>
-            </a:r>
-            <a:r>
-              <a:rPr lang="en-US" sz="2500" dirty="0"/>
-              <a:t>number is 0, the string representing the specific monosaccharide(s) and the number should be dropped. For example, </a:t>
-            </a:r>
-            <a:r>
-              <a:rPr lang="en-US" sz="2500" b="1" dirty="0"/>
-              <a:t>dHex0Hex7HexNAc8</a:t>
-            </a:r>
-            <a:r>
-              <a:rPr lang="en-US" sz="2500" dirty="0"/>
-              <a:t> should be </a:t>
-            </a:r>
-            <a:r>
-              <a:rPr lang="en-US" sz="2500" b="1" dirty="0"/>
-              <a:t>Hex7HexNAc8 </a:t>
-            </a:r>
-            <a:r>
-              <a:rPr lang="en-US" sz="2500" dirty="0"/>
-              <a:t>instead</a:t>
-            </a:r>
-          </a:p>
-          <a:p>
-            <a:pPr lvl="1"/>
-            <a:r>
-              <a:rPr lang="en-US" sz="2500" dirty="0"/>
-              <a:t>If a number is 1, the number should be dropped. For example, </a:t>
-            </a:r>
-            <a:r>
-              <a:rPr lang="en-US" sz="2500" b="1" dirty="0"/>
-              <a:t>dHex1Hex7HexNAc8</a:t>
-            </a:r>
-            <a:r>
-              <a:rPr lang="en-US" sz="2500" dirty="0"/>
-              <a:t> should be </a:t>
-            </a:r>
-            <a:r>
-              <a:rPr lang="en-US" sz="2500" b="1" dirty="0"/>
-              <a:t>dHexHex7HexNAc8</a:t>
-            </a:r>
-            <a:r>
-              <a:rPr lang="en-US" sz="2500" dirty="0"/>
-              <a:t> instead.</a:t>
-            </a:r>
-          </a:p>
-        </p:txBody>
-      </p:sp>
-    </p:spTree>
-    <p:extLst>
-      <p:ext uri="{BB962C8B-B14F-4D97-AF65-F5344CB8AC3E}">
-        <p14:creationId xmlns:p14="http://schemas.microsoft.com/office/powerpoint/2010/main" val="479614037"/>
-      </p:ext>
-    </p:extLst>
-  </p:cSld>
-  <p:clrMapOvr>
-    <a:masterClrMapping/>
-  </p:clrMapOvr>
-</p:sld>
-</file>
-
-<file path=ppt/slides/slide4.xml><?xml version="1.0" encoding="utf-8"?>
-<p:sld xmlns:a="http://schemas.openxmlformats.org/drawingml/2006/main" xmlns:r="http://schemas.openxmlformats.org/officeDocument/2006/relationships" xmlns:p="http://schemas.openxmlformats.org/presentationml/2006/main">
-  <p:cSld>
-    <p:spTree>
-      <p:nvGrpSpPr>
-        <p:cNvPr id="1" name=""/>
-        <p:cNvGrpSpPr/>
-        <p:nvPr/>
-      </p:nvGrpSpPr>
-      <p:grpSpPr>
-        <a:xfrm>
-          <a:off x="0" y="0"/>
-          <a:ext cx="0" cy="0"/>
-          <a:chOff x="0" y="0"/>
-          <a:chExt cx="0" cy="0"/>
-        </a:xfrm>
-      </p:grpSpPr>
-      <p:sp>
-        <p:nvSpPr>
-          <p:cNvPr id="2" name="Title 1">
-            <a:extLst>
-              <a:ext uri="{FF2B5EF4-FFF2-40B4-BE49-F238E27FC236}">
                 <a16:creationId xmlns:a16="http://schemas.microsoft.com/office/drawing/2014/main" id="{CB0903A2-A9BA-AAAC-69AB-4363095F10BE}"/>
               </a:ext>
             </a:extLst>
@@ -4636,18 +4379,14 @@
             </a:r>
             <a:r>
               <a:rPr lang="en-US" sz="1400" dirty="0"/>
-              <a:t>. </a:t>
-            </a:r>
-            <a:r>
-              <a:rPr lang="en-US" sz="1600" dirty="0"/>
-              <a:t>Elements of </a:t>
-            </a:r>
-            <a:r>
-              <a:rPr lang="en-US" sz="1600" b="1" dirty="0"/>
+              <a:t>. Elements of </a:t>
+            </a:r>
+            <a:r>
+              <a:rPr lang="en-US" sz="1400" b="1" dirty="0"/>
               <a:t>Glycan Annotation </a:t>
             </a:r>
             <a:r>
-              <a:rPr lang="en-US" sz="1600" dirty="0"/>
+              <a:rPr lang="en-US" sz="1400" dirty="0"/>
               <a:t>are unique.</a:t>
             </a:r>
           </a:p>
@@ -4662,7 +4401,7 @@
             </a:r>
             <a:r>
               <a:rPr lang="en-US" sz="1600" dirty="0"/>
-              <a:t>). </a:t>
+              <a:t>), and the </a:t>
             </a:r>
             <a:r>
               <a:rPr lang="en-US" sz="1600" b="1" dirty="0"/>
@@ -4738,6 +4477,304 @@
 </p:sld>
 </file>
 
+<file path=ppt/slides/slide4.xml><?xml version="1.0" encoding="utf-8"?>
+<p:sld xmlns:a="http://schemas.openxmlformats.org/drawingml/2006/main" xmlns:r="http://schemas.openxmlformats.org/officeDocument/2006/relationships" xmlns:p="http://schemas.openxmlformats.org/presentationml/2006/main">
+  <p:cSld>
+    <p:spTree>
+      <p:nvGrpSpPr>
+        <p:cNvPr id="1" name=""/>
+        <p:cNvGrpSpPr/>
+        <p:nvPr/>
+      </p:nvGrpSpPr>
+      <p:grpSpPr>
+        <a:xfrm>
+          <a:off x="0" y="0"/>
+          <a:ext cx="0" cy="0"/>
+          <a:chOff x="0" y="0"/>
+          <a:chExt cx="0" cy="0"/>
+        </a:xfrm>
+      </p:grpSpPr>
+      <p:sp>
+        <p:nvSpPr>
+          <p:cNvPr id="2" name="Title 1">
+            <a:extLst>
+              <a:ext uri="{FF2B5EF4-FFF2-40B4-BE49-F238E27FC236}">
+                <a16:creationId xmlns:a16="http://schemas.microsoft.com/office/drawing/2014/main" id="{84CC6334-6C15-860B-83E8-A9B328A8A477}"/>
+              </a:ext>
+            </a:extLst>
+          </p:cNvPr>
+          <p:cNvSpPr>
+            <a:spLocks noGrp="1"/>
+          </p:cNvSpPr>
+          <p:nvPr>
+            <p:ph type="title"/>
+          </p:nvPr>
+        </p:nvSpPr>
+        <p:spPr/>
+        <p:txBody>
+          <a:bodyPr/>
+          <a:lstStyle/>
+          <a:p>
+            <a:r>
+              <a:rPr lang="en-US" b="1" dirty="0"/>
+              <a:t>Glycan Compositions</a:t>
+            </a:r>
+            <a:endParaRPr lang="en-US" dirty="0"/>
+          </a:p>
+        </p:txBody>
+      </p:sp>
+      <p:sp>
+        <p:nvSpPr>
+          <p:cNvPr id="3" name="Content Placeholder 2">
+            <a:extLst>
+              <a:ext uri="{FF2B5EF4-FFF2-40B4-BE49-F238E27FC236}">
+                <a16:creationId xmlns:a16="http://schemas.microsoft.com/office/drawing/2014/main" id="{4CA440CF-37D0-8B59-5785-37E16A022C88}"/>
+              </a:ext>
+            </a:extLst>
+          </p:cNvPr>
+          <p:cNvSpPr>
+            <a:spLocks noGrp="1"/>
+          </p:cNvSpPr>
+          <p:nvPr>
+            <p:ph idx="1"/>
+          </p:nvPr>
+        </p:nvSpPr>
+        <p:spPr/>
+        <p:txBody>
+          <a:bodyPr>
+            <a:normAutofit fontScale="77500" lnSpcReduction="20000"/>
+          </a:bodyPr>
+          <a:lstStyle/>
+          <a:p>
+            <a:r>
+              <a:rPr lang="en-US" dirty="0"/>
+              <a:t>The pipeline-compatible glycan composition has the following format:</a:t>
+            </a:r>
+          </a:p>
+          <a:p>
+            <a:pPr marL="0" indent="0">
+              <a:buNone/>
+            </a:pPr>
+            <a:r>
+              <a:rPr lang="en-US" dirty="0">
+                <a:solidFill>
+                  <a:srgbClr val="FF0000"/>
+                </a:solidFill>
+              </a:rPr>
+              <a:t>                                NeuAc#d1</a:t>
+            </a:r>
+            <a:r>
+              <a:rPr lang="en-US" dirty="0"/>
+              <a:t>dHex#d2</a:t>
+            </a:r>
+            <a:r>
+              <a:rPr lang="en-US" dirty="0">
+                <a:solidFill>
+                  <a:schemeClr val="accent1"/>
+                </a:solidFill>
+              </a:rPr>
+              <a:t>Hex#d3</a:t>
+            </a:r>
+            <a:r>
+              <a:rPr lang="en-US" dirty="0">
+                <a:solidFill>
+                  <a:schemeClr val="accent2">
+                    <a:lumMod val="75000"/>
+                  </a:schemeClr>
+                </a:solidFill>
+              </a:rPr>
+              <a:t>HexNAc#d4</a:t>
+            </a:r>
+          </a:p>
+          <a:p>
+            <a:pPr marL="0" indent="0">
+              <a:buNone/>
+            </a:pPr>
+            <a:endParaRPr lang="en-US" dirty="0">
+              <a:solidFill>
+                <a:schemeClr val="accent2">
+                  <a:lumMod val="75000"/>
+                </a:schemeClr>
+              </a:solidFill>
+            </a:endParaRPr>
+          </a:p>
+          <a:p>
+            <a:pPr marL="0" indent="0">
+              <a:buNone/>
+            </a:pPr>
+            <a:r>
+              <a:rPr lang="en-US" dirty="0">
+                <a:solidFill>
+                  <a:srgbClr val="FF0000"/>
+                </a:solidFill>
+              </a:rPr>
+              <a:t>#d1: the number of sialic acid (</a:t>
+            </a:r>
+            <a:r>
+              <a:rPr lang="en-US" dirty="0" err="1">
+                <a:solidFill>
+                  <a:srgbClr val="FF0000"/>
+                </a:solidFill>
+              </a:rPr>
+              <a:t>NeuAc</a:t>
+            </a:r>
+            <a:r>
+              <a:rPr lang="en-US" dirty="0">
+                <a:solidFill>
+                  <a:srgbClr val="FF0000"/>
+                </a:solidFill>
+              </a:rPr>
+              <a:t>)</a:t>
+            </a:r>
+          </a:p>
+          <a:p>
+            <a:pPr marL="0" indent="0">
+              <a:buNone/>
+            </a:pPr>
+            <a:r>
+              <a:rPr lang="en-US" dirty="0"/>
+              <a:t>#d2: the number of fucose (</a:t>
+            </a:r>
+            <a:r>
+              <a:rPr lang="en-US" dirty="0" err="1"/>
+              <a:t>dHex</a:t>
+            </a:r>
+            <a:r>
+              <a:rPr lang="en-US" dirty="0"/>
+              <a:t>)</a:t>
+            </a:r>
+          </a:p>
+          <a:p>
+            <a:pPr marL="0" indent="0">
+              <a:buNone/>
+            </a:pPr>
+            <a:r>
+              <a:rPr lang="en-US" dirty="0">
+                <a:solidFill>
+                  <a:schemeClr val="accent1"/>
+                </a:solidFill>
+              </a:rPr>
+              <a:t>#d3: the number of galactose and mannose (Hex)</a:t>
+            </a:r>
+          </a:p>
+          <a:p>
+            <a:pPr marL="0" indent="0" algn="l">
+              <a:buNone/>
+            </a:pPr>
+            <a:r>
+              <a:rPr lang="en-US" dirty="0">
+                <a:solidFill>
+                  <a:schemeClr val="accent2">
+                    <a:lumMod val="75000"/>
+                  </a:schemeClr>
+                </a:solidFill>
+              </a:rPr>
+              <a:t>#d4: the number of N-Acetylglucosamine (</a:t>
+            </a:r>
+            <a:r>
+              <a:rPr lang="en-US" dirty="0" err="1">
+                <a:solidFill>
+                  <a:schemeClr val="accent2">
+                    <a:lumMod val="75000"/>
+                  </a:schemeClr>
+                </a:solidFill>
+              </a:rPr>
+              <a:t>HexNAc</a:t>
+            </a:r>
+            <a:r>
+              <a:rPr lang="en-US" dirty="0">
+                <a:solidFill>
+                  <a:schemeClr val="accent2">
+                    <a:lumMod val="75000"/>
+                  </a:schemeClr>
+                </a:solidFill>
+              </a:rPr>
+              <a:t>)</a:t>
+            </a:r>
+          </a:p>
+          <a:p>
+            <a:pPr marL="0" indent="0">
+              <a:buNone/>
+            </a:pPr>
+            <a:endParaRPr lang="en-US" dirty="0">
+              <a:solidFill>
+                <a:schemeClr val="accent2">
+                  <a:lumMod val="75000"/>
+                </a:schemeClr>
+              </a:solidFill>
+            </a:endParaRPr>
+          </a:p>
+          <a:p>
+            <a:r>
+              <a:rPr lang="en-US" b="1" dirty="0"/>
+              <a:t>Rules</a:t>
+            </a:r>
+          </a:p>
+          <a:p>
+            <a:pPr lvl="1"/>
+            <a:r>
+              <a:rPr lang="en-US" dirty="0"/>
+              <a:t>If a </a:t>
+            </a:r>
+            <a:r>
+              <a:rPr lang="en-US" sz="2500" dirty="0"/>
+              <a:t>number is 0, the string representing the specific monosaccharide(s) and the number should be dropped. For example, </a:t>
+            </a:r>
+            <a:r>
+              <a:rPr lang="en-US" sz="2500" b="1" dirty="0"/>
+              <a:t>dHex0Hex7HexNAc8</a:t>
+            </a:r>
+            <a:r>
+              <a:rPr lang="en-US" sz="2500" dirty="0"/>
+              <a:t> should be </a:t>
+            </a:r>
+            <a:r>
+              <a:rPr lang="en-US" sz="2500" b="1" dirty="0"/>
+              <a:t>Hex7HexNAc8 </a:t>
+            </a:r>
+            <a:r>
+              <a:rPr lang="en-US" sz="2500" dirty="0"/>
+              <a:t>instead</a:t>
+            </a:r>
+          </a:p>
+          <a:p>
+            <a:pPr lvl="1"/>
+            <a:r>
+              <a:rPr lang="en-US" sz="2500" dirty="0"/>
+              <a:t>If a number is 1, the number should be dropped. For example, </a:t>
+            </a:r>
+            <a:r>
+              <a:rPr lang="en-US" sz="2500" b="1" dirty="0"/>
+              <a:t>dHex1Hex7HexNAc8</a:t>
+            </a:r>
+            <a:r>
+              <a:rPr lang="en-US" sz="2500" dirty="0"/>
+              <a:t> should be </a:t>
+            </a:r>
+            <a:r>
+              <a:rPr lang="en-US" sz="2500" b="1" dirty="0"/>
+              <a:t>dHexHex7HexNAc8</a:t>
+            </a:r>
+            <a:r>
+              <a:rPr lang="en-US" sz="2500" dirty="0"/>
+              <a:t> instead.</a:t>
+            </a:r>
+          </a:p>
+        </p:txBody>
+      </p:sp>
+    </p:spTree>
+    <p:extLst>
+      <p:ext uri="{BB962C8B-B14F-4D97-AF65-F5344CB8AC3E}">
+        <p14:creationId xmlns:p14="http://schemas.microsoft.com/office/powerpoint/2010/main" val="479614037"/>
+      </p:ext>
+    </p:extLst>
+  </p:cSld>
+  <p:clrMapOvr>
+    <a:masterClrMapping/>
+  </p:clrMapOvr>
+</p:sld>
+</file>
+
 <file path=ppt/slides/slide5.xml><?xml version="1.0" encoding="utf-8"?>
 <p:sld xmlns:a="http://schemas.openxmlformats.org/drawingml/2006/main" xmlns:r="http://schemas.openxmlformats.org/officeDocument/2006/relationships" xmlns:p="http://schemas.openxmlformats.org/presentationml/2006/main">
   <p:cSld>
@@ -4856,166 +4893,6 @@
     <p:extLst>
       <p:ext uri="{BB962C8B-B14F-4D97-AF65-F5344CB8AC3E}">
         <p14:creationId xmlns:p14="http://schemas.microsoft.com/office/powerpoint/2010/main" val="2417779192"/>
-      </p:ext>
-    </p:extLst>
-  </p:cSld>
-  <p:clrMapOvr>
-    <a:masterClrMapping/>
-  </p:clrMapOvr>
-</p:sld>
-</file>
-
-<file path=ppt/slides/slide6.xml><?xml version="1.0" encoding="utf-8"?>
-<p:sld xmlns:a="http://schemas.openxmlformats.org/drawingml/2006/main" xmlns:r="http://schemas.openxmlformats.org/officeDocument/2006/relationships" xmlns:p="http://schemas.openxmlformats.org/presentationml/2006/main">
-  <p:cSld>
-    <p:spTree>
-      <p:nvGrpSpPr>
-        <p:cNvPr id="1" name=""/>
-        <p:cNvGrpSpPr/>
-        <p:nvPr/>
-      </p:nvGrpSpPr>
-      <p:grpSpPr>
-        <a:xfrm>
-          <a:off x="0" y="0"/>
-          <a:ext cx="0" cy="0"/>
-          <a:chOff x="0" y="0"/>
-          <a:chExt cx="0" cy="0"/>
-        </a:xfrm>
-      </p:grpSpPr>
-      <p:pic>
-        <p:nvPicPr>
-          <p:cNvPr id="4" name="Picture 3">
-            <a:extLst>
-              <a:ext uri="{FF2B5EF4-FFF2-40B4-BE49-F238E27FC236}">
-                <a16:creationId xmlns:a16="http://schemas.microsoft.com/office/drawing/2014/main" id="{494F6712-69E7-FB3C-7ADF-D423BD9F4687}"/>
-              </a:ext>
-            </a:extLst>
-          </p:cNvPr>
-          <p:cNvPicPr>
-            <a:picLocks noChangeAspect="1"/>
-          </p:cNvPicPr>
-          <p:nvPr/>
-        </p:nvPicPr>
-        <p:blipFill>
-          <a:blip r:embed="rId2"/>
-          <a:stretch>
-            <a:fillRect/>
-          </a:stretch>
-        </p:blipFill>
-        <p:spPr>
-          <a:xfrm>
-            <a:off x="8664437" y="1387129"/>
-            <a:ext cx="3448050" cy="4600575"/>
-          </a:xfrm>
-          <a:prstGeom prst="rect">
-            <a:avLst/>
-          </a:prstGeom>
-        </p:spPr>
-      </p:pic>
-      <p:pic>
-        <p:nvPicPr>
-          <p:cNvPr id="6" name="Picture 5">
-            <a:extLst>
-              <a:ext uri="{FF2B5EF4-FFF2-40B4-BE49-F238E27FC236}">
-                <a16:creationId xmlns:a16="http://schemas.microsoft.com/office/drawing/2014/main" id="{D4511900-1776-2749-40F2-2E498DD33321}"/>
-              </a:ext>
-            </a:extLst>
-          </p:cNvPr>
-          <p:cNvPicPr>
-            <a:picLocks noChangeAspect="1"/>
-          </p:cNvPicPr>
-          <p:nvPr/>
-        </p:nvPicPr>
-        <p:blipFill>
-          <a:blip r:embed="rId3"/>
-          <a:stretch>
-            <a:fillRect/>
-          </a:stretch>
-        </p:blipFill>
-        <p:spPr>
-          <a:xfrm>
-            <a:off x="0" y="1407007"/>
-            <a:ext cx="8583633" cy="3218863"/>
-          </a:xfrm>
-          <a:prstGeom prst="rect">
-            <a:avLst/>
-          </a:prstGeom>
-        </p:spPr>
-      </p:pic>
-      <p:sp>
-        <p:nvSpPr>
-          <p:cNvPr id="7" name="TextBox 6">
-            <a:extLst>
-              <a:ext uri="{FF2B5EF4-FFF2-40B4-BE49-F238E27FC236}">
-                <a16:creationId xmlns:a16="http://schemas.microsoft.com/office/drawing/2014/main" id="{014B771D-A64A-99B1-F817-AA8974EDD287}"/>
-              </a:ext>
-            </a:extLst>
-          </p:cNvPr>
-          <p:cNvSpPr txBox="1"/>
-          <p:nvPr/>
-        </p:nvSpPr>
-        <p:spPr>
-          <a:xfrm>
-            <a:off x="3975652" y="864704"/>
-            <a:ext cx="888769" cy="369332"/>
-          </a:xfrm>
-          <a:prstGeom prst="rect">
-            <a:avLst/>
-          </a:prstGeom>
-          <a:noFill/>
-        </p:spPr>
-        <p:txBody>
-          <a:bodyPr wrap="none" rtlCol="0">
-            <a:spAutoFit/>
-          </a:bodyPr>
-          <a:lstStyle/>
-          <a:p>
-            <a:r>
-              <a:rPr lang="en-US" dirty="0"/>
-              <a:t>Sheet 1</a:t>
-            </a:r>
-          </a:p>
-        </p:txBody>
-      </p:sp>
-      <p:sp>
-        <p:nvSpPr>
-          <p:cNvPr id="8" name="TextBox 7">
-            <a:extLst>
-              <a:ext uri="{FF2B5EF4-FFF2-40B4-BE49-F238E27FC236}">
-                <a16:creationId xmlns:a16="http://schemas.microsoft.com/office/drawing/2014/main" id="{C6176275-82FC-180B-6048-9CAFA74E2A1D}"/>
-              </a:ext>
-            </a:extLst>
-          </p:cNvPr>
-          <p:cNvSpPr txBox="1"/>
-          <p:nvPr/>
-        </p:nvSpPr>
-        <p:spPr>
-          <a:xfrm>
-            <a:off x="9944077" y="864704"/>
-            <a:ext cx="888769" cy="369332"/>
-          </a:xfrm>
-          <a:prstGeom prst="rect">
-            <a:avLst/>
-          </a:prstGeom>
-          <a:noFill/>
-        </p:spPr>
-        <p:txBody>
-          <a:bodyPr wrap="none" rtlCol="0">
-            <a:spAutoFit/>
-          </a:bodyPr>
-          <a:lstStyle/>
-          <a:p>
-            <a:r>
-              <a:rPr lang="en-US" dirty="0"/>
-              <a:t>Sheet 2</a:t>
-            </a:r>
-          </a:p>
-        </p:txBody>
-      </p:sp>
-    </p:spTree>
-    <p:extLst>
-      <p:ext uri="{BB962C8B-B14F-4D97-AF65-F5344CB8AC3E}">
-        <p14:creationId xmlns:p14="http://schemas.microsoft.com/office/powerpoint/2010/main" val="4236982924"/>
       </p:ext>
     </p:extLst>
   </p:cSld>
